--- a/presentation/final_pres.pptx
+++ b/presentation/final_pres.pptx
@@ -1113,11 +1113,7 @@
           </a:r>
           <a:r>
             <a:rPr lang="de-DE" dirty="0" smtClean="0"/>
-            <a:t>(</a:t>
-          </a:r>
-          <a:r>
-            <a:rPr lang="de-DE" dirty="0" smtClean="0"/>
-            <a:t>T)</a:t>
+            <a:t>(T)</a:t>
           </a:r>
           <a:endParaRPr lang="de-DE" dirty="0"/>
         </a:p>
@@ -2334,11 +2330,7 @@
           </a:r>
           <a:r>
             <a:rPr lang="de-DE" sz="2700" kern="1200" dirty="0" smtClean="0"/>
-            <a:t>(</a:t>
-          </a:r>
-          <a:r>
-            <a:rPr lang="de-DE" sz="2700" kern="1200" dirty="0" smtClean="0"/>
-            <a:t>T)</a:t>
+            <a:t>(T)</a:t>
           </a:r>
           <a:endParaRPr lang="de-DE" sz="2700" kern="1200" dirty="0"/>
         </a:p>
@@ -8509,14 +8501,18 @@
             </a:r>
             <a:r>
               <a:rPr lang="de-DE" dirty="0" smtClean="0"/>
-              <a:t>: extreme </a:t>
-            </a:r>
-            <a:r>
-              <a:rPr lang="de-DE" dirty="0" err="1" smtClean="0"/>
+              <a:t>: </a:t>
+            </a:r>
+            <a:r>
+              <a:rPr lang="de-DE" b="1" dirty="0" smtClean="0"/>
+              <a:t>extreme </a:t>
+            </a:r>
+            <a:r>
+              <a:rPr lang="de-DE" b="1" dirty="0" err="1" smtClean="0"/>
               <a:t>individuals</a:t>
             </a:r>
             <a:r>
-              <a:rPr lang="de-DE" dirty="0" smtClean="0"/>
+              <a:rPr lang="de-DE" b="1" dirty="0" smtClean="0"/>
               <a:t> </a:t>
             </a:r>
             <a:r>
@@ -8915,7 +8911,6 @@
               <a:rPr lang="en-US" dirty="0" smtClean="0"/>
               <a:t> of the update</a:t>
             </a:r>
-            <a:endParaRPr lang="en-US" dirty="0" smtClean="0"/>
           </a:p>
         </p:txBody>
       </p:sp>
@@ -13841,7 +13836,7 @@
           <a:graphicData uri="http://schemas.openxmlformats.org/presentationml/2006/ole">
             <mc:AlternateContent xmlns:mc="http://schemas.openxmlformats.org/markup-compatibility/2006">
               <mc:Choice xmlns:v="urn:schemas-microsoft-com:vml" Requires="v">
-                <p:oleObj spid="_x0000_s1041" name="Formel" r:id="rId3" imgW="1054100" imgH="520700" progId="Equation.3">
+                <p:oleObj spid="_x0000_s1044" name="Formel" r:id="rId3" imgW="1054100" imgH="520700" progId="Equation.3">
                   <p:embed/>
                 </p:oleObj>
               </mc:Choice>
@@ -13899,7 +13894,7 @@
           <a:graphicData uri="http://schemas.openxmlformats.org/presentationml/2006/ole">
             <mc:AlternateContent xmlns:mc="http://schemas.openxmlformats.org/markup-compatibility/2006">
               <mc:Choice xmlns:v="urn:schemas-microsoft-com:vml" Requires="v">
-                <p:oleObj spid="_x0000_s1042" name="Formel" r:id="rId5" imgW="1333500" imgH="520700" progId="Equation.3">
+                <p:oleObj spid="_x0000_s1045" name="Formel" r:id="rId5" imgW="1333500" imgH="520700" progId="Equation.3">
                   <p:embed/>
                 </p:oleObj>
               </mc:Choice>
@@ -14643,7 +14638,7 @@
           <a:graphicData uri="http://schemas.openxmlformats.org/presentationml/2006/ole">
             <mc:AlternateContent xmlns:mc="http://schemas.openxmlformats.org/markup-compatibility/2006">
               <mc:Choice xmlns:v="urn:schemas-microsoft-com:vml" Requires="v">
-                <p:oleObj spid="_x0000_s2061" name="Formel" r:id="rId3" imgW="825500" imgH="241300" progId="Equation.3">
+                <p:oleObj spid="_x0000_s2064" name="Formel" r:id="rId3" imgW="825500" imgH="241300" progId="Equation.3">
                   <p:embed/>
                 </p:oleObj>
               </mc:Choice>
@@ -14700,7 +14695,7 @@
           <a:graphicData uri="http://schemas.openxmlformats.org/presentationml/2006/ole">
             <mc:AlternateContent xmlns:mc="http://schemas.openxmlformats.org/markup-compatibility/2006">
               <mc:Choice xmlns:v="urn:schemas-microsoft-com:vml" Requires="v">
-                <p:oleObj spid="_x0000_s2062" name="Formel" r:id="rId5" imgW="457200" imgH="228600" progId="Equation.3">
+                <p:oleObj spid="_x0000_s2065" name="Formel" r:id="rId5" imgW="457200" imgH="228600" progId="Equation.3">
                   <p:embed/>
                 </p:oleObj>
               </mc:Choice>
